--- a/916個咪.pptx
+++ b/916個咪.pptx
@@ -202,7 +202,7 @@
           <a:p>
             <a:fld id="{141702F5-EEC7-43F1-8753-E49F1251FB00}" type="datetimeFigureOut">
               <a:rPr lang="zh-TW" altLang="en-US" smtClean="0"/>
-              <a:t>2025/9/15</a:t>
+              <a:t>2025/9/16</a:t>
             </a:fld>
             <a:endParaRPr lang="zh-TW" altLang="en-US"/>
           </a:p>
@@ -1132,7 +1132,7 @@
           <a:p>
             <a:fld id="{8F697C4A-BE63-4EF5-B0E1-B2249042B5A8}" type="datetimeFigureOut">
               <a:rPr lang="zh-TW" altLang="en-US" smtClean="0"/>
-              <a:t>2025/9/15</a:t>
+              <a:t>2025/9/16</a:t>
             </a:fld>
             <a:endParaRPr lang="zh-TW" altLang="en-US"/>
           </a:p>
@@ -1330,7 +1330,7 @@
           <a:p>
             <a:fld id="{8F697C4A-BE63-4EF5-B0E1-B2249042B5A8}" type="datetimeFigureOut">
               <a:rPr lang="zh-TW" altLang="en-US" smtClean="0"/>
-              <a:t>2025/9/15</a:t>
+              <a:t>2025/9/16</a:t>
             </a:fld>
             <a:endParaRPr lang="zh-TW" altLang="en-US"/>
           </a:p>
@@ -1538,7 +1538,7 @@
           <a:p>
             <a:fld id="{8F697C4A-BE63-4EF5-B0E1-B2249042B5A8}" type="datetimeFigureOut">
               <a:rPr lang="zh-TW" altLang="en-US" smtClean="0"/>
-              <a:t>2025/9/15</a:t>
+              <a:t>2025/9/16</a:t>
             </a:fld>
             <a:endParaRPr lang="zh-TW" altLang="en-US"/>
           </a:p>
@@ -1736,7 +1736,7 @@
           <a:p>
             <a:fld id="{8F697C4A-BE63-4EF5-B0E1-B2249042B5A8}" type="datetimeFigureOut">
               <a:rPr lang="zh-TW" altLang="en-US" smtClean="0"/>
-              <a:t>2025/9/15</a:t>
+              <a:t>2025/9/16</a:t>
             </a:fld>
             <a:endParaRPr lang="zh-TW" altLang="en-US"/>
           </a:p>
@@ -2011,7 +2011,7 @@
           <a:p>
             <a:fld id="{8F697C4A-BE63-4EF5-B0E1-B2249042B5A8}" type="datetimeFigureOut">
               <a:rPr lang="zh-TW" altLang="en-US" smtClean="0"/>
-              <a:t>2025/9/15</a:t>
+              <a:t>2025/9/16</a:t>
             </a:fld>
             <a:endParaRPr lang="zh-TW" altLang="en-US"/>
           </a:p>
@@ -2276,7 +2276,7 @@
           <a:p>
             <a:fld id="{8F697C4A-BE63-4EF5-B0E1-B2249042B5A8}" type="datetimeFigureOut">
               <a:rPr lang="zh-TW" altLang="en-US" smtClean="0"/>
-              <a:t>2025/9/15</a:t>
+              <a:t>2025/9/16</a:t>
             </a:fld>
             <a:endParaRPr lang="zh-TW" altLang="en-US"/>
           </a:p>
@@ -2688,7 +2688,7 @@
           <a:p>
             <a:fld id="{8F697C4A-BE63-4EF5-B0E1-B2249042B5A8}" type="datetimeFigureOut">
               <a:rPr lang="zh-TW" altLang="en-US" smtClean="0"/>
-              <a:t>2025/9/15</a:t>
+              <a:t>2025/9/16</a:t>
             </a:fld>
             <a:endParaRPr lang="zh-TW" altLang="en-US"/>
           </a:p>
@@ -2829,7 +2829,7 @@
           <a:p>
             <a:fld id="{8F697C4A-BE63-4EF5-B0E1-B2249042B5A8}" type="datetimeFigureOut">
               <a:rPr lang="zh-TW" altLang="en-US" smtClean="0"/>
-              <a:t>2025/9/15</a:t>
+              <a:t>2025/9/16</a:t>
             </a:fld>
             <a:endParaRPr lang="zh-TW" altLang="en-US"/>
           </a:p>
@@ -2942,7 +2942,7 @@
           <a:p>
             <a:fld id="{8F697C4A-BE63-4EF5-B0E1-B2249042B5A8}" type="datetimeFigureOut">
               <a:rPr lang="zh-TW" altLang="en-US" smtClean="0"/>
-              <a:t>2025/9/15</a:t>
+              <a:t>2025/9/16</a:t>
             </a:fld>
             <a:endParaRPr lang="zh-TW" altLang="en-US"/>
           </a:p>
@@ -3253,7 +3253,7 @@
           <a:p>
             <a:fld id="{8F697C4A-BE63-4EF5-B0E1-B2249042B5A8}" type="datetimeFigureOut">
               <a:rPr lang="zh-TW" altLang="en-US" smtClean="0"/>
-              <a:t>2025/9/15</a:t>
+              <a:t>2025/9/16</a:t>
             </a:fld>
             <a:endParaRPr lang="zh-TW" altLang="en-US"/>
           </a:p>
@@ -3541,7 +3541,7 @@
           <a:p>
             <a:fld id="{8F697C4A-BE63-4EF5-B0E1-B2249042B5A8}" type="datetimeFigureOut">
               <a:rPr lang="zh-TW" altLang="en-US" smtClean="0"/>
-              <a:t>2025/9/15</a:t>
+              <a:t>2025/9/16</a:t>
             </a:fld>
             <a:endParaRPr lang="zh-TW" altLang="en-US"/>
           </a:p>
@@ -3782,7 +3782,7 @@
           <a:p>
             <a:fld id="{8F697C4A-BE63-4EF5-B0E1-B2249042B5A8}" type="datetimeFigureOut">
               <a:rPr lang="zh-TW" altLang="en-US" smtClean="0"/>
-              <a:t>2025/9/15</a:t>
+              <a:t>2025/9/16</a:t>
             </a:fld>
             <a:endParaRPr lang="zh-TW" altLang="en-US"/>
           </a:p>
@@ -4241,6 +4241,30 @@
               </a:rPr>
               <a:t>個人咪挺</a:t>
             </a:r>
+            <a:br>
+              <a:rPr lang="en-US" altLang="zh-TW" sz="7200" dirty="0">
+                <a:latin typeface="標楷體" panose="03000509000000000000" pitchFamily="65" charset="-120"/>
+                <a:ea typeface="標楷體" panose="03000509000000000000" pitchFamily="65" charset="-120"/>
+              </a:rPr>
+            </a:br>
+            <a:r>
+              <a:rPr lang="en-US" altLang="zh-TW" sz="3200" dirty="0">
+                <a:latin typeface="Times New Roman" panose="02020603050405020304" pitchFamily="18" charset="0"/>
+                <a:cs typeface="Times New Roman" panose="02020603050405020304" pitchFamily="18" charset="0"/>
+              </a:rPr>
+              <a:t>Handover</a:t>
+            </a:r>
+            <a:r>
+              <a:rPr lang="zh-TW" altLang="en-US" sz="3200" dirty="0">
+                <a:latin typeface="Times New Roman" panose="02020603050405020304" pitchFamily="18" charset="0"/>
+                <a:cs typeface="Times New Roman" panose="02020603050405020304" pitchFamily="18" charset="0"/>
+              </a:rPr>
+              <a:t>（采潔）</a:t>
+            </a:r>
+            <a:endParaRPr lang="zh-TW" altLang="en-US" sz="3200" dirty="0">
+              <a:latin typeface="標楷體" panose="03000509000000000000" pitchFamily="65" charset="-120"/>
+              <a:ea typeface="標楷體" panose="03000509000000000000" pitchFamily="65" charset="-120"/>
+            </a:endParaRPr>
           </a:p>
         </p:txBody>
       </p:sp>
@@ -4280,8 +4304,8 @@
           <a:chExt cx="0" cy="0"/>
         </a:xfrm>
       </p:grpSpPr>
-      <mc:AlternateContent xmlns:mc="http://schemas.openxmlformats.org/markup-compatibility/2006">
-        <mc:Choice xmlns:a14="http://schemas.microsoft.com/office/drawing/2010/main" Requires="a14">
+      <mc:AlternateContent xmlns:mc="http://schemas.openxmlformats.org/markup-compatibility/2006" xmlns:a14="http://schemas.microsoft.com/office/drawing/2010/main">
+        <mc:Choice Requires="a14">
           <p:sp>
             <p:nvSpPr>
               <p:cNvPr id="4" name="內容版面配置區 3">
@@ -4477,7 +4501,7 @@
             </p:txBody>
           </p:sp>
         </mc:Choice>
-        <mc:Fallback>
+        <mc:Fallback xmlns="">
           <p:sp>
             <p:nvSpPr>
               <p:cNvPr id="4" name="內容版面配置區 3">
@@ -4548,15 +4572,12 @@
                 <a:latin typeface="Times New Roman" panose="02020603050405020304" pitchFamily="18" charset="0"/>
                 <a:cs typeface="Times New Roman" panose="02020603050405020304" pitchFamily="18" charset="0"/>
               </a:rPr>
-              <a:t>Handover</a:t>
-            </a:r>
-            <a:r>
-              <a:rPr lang="zh-TW" altLang="en-US" dirty="0">
-                <a:latin typeface="Times New Roman" panose="02020603050405020304" pitchFamily="18" charset="0"/>
-                <a:cs typeface="Times New Roman" panose="02020603050405020304" pitchFamily="18" charset="0"/>
-              </a:rPr>
-              <a:t>（采潔）</a:t>
-            </a:r>
+              <a:t>Metrics</a:t>
+            </a:r>
+            <a:endParaRPr lang="zh-TW" altLang="en-US" dirty="0">
+              <a:latin typeface="Times New Roman" panose="02020603050405020304" pitchFamily="18" charset="0"/>
+              <a:cs typeface="Times New Roman" panose="02020603050405020304" pitchFamily="18" charset="0"/>
+            </a:endParaRPr>
           </a:p>
         </p:txBody>
       </p:sp>
@@ -4596,8 +4617,8 @@
           <a:chExt cx="0" cy="0"/>
         </a:xfrm>
       </p:grpSpPr>
-      <mc:AlternateContent xmlns:mc="http://schemas.openxmlformats.org/markup-compatibility/2006">
-        <mc:Choice xmlns:a14="http://schemas.microsoft.com/office/drawing/2010/main" Requires="a14">
+      <mc:AlternateContent xmlns:mc="http://schemas.openxmlformats.org/markup-compatibility/2006" xmlns:a14="http://schemas.microsoft.com/office/drawing/2010/main">
+        <mc:Choice Requires="a14">
           <p:sp>
             <p:nvSpPr>
               <p:cNvPr id="4" name="內容版面配置區 3">
@@ -4946,7 +4967,7 @@
             </p:txBody>
           </p:sp>
         </mc:Choice>
-        <mc:Fallback>
+        <mc:Fallback xmlns="">
           <p:sp>
             <p:nvSpPr>
               <p:cNvPr id="4" name="內容版面配置區 3">
@@ -5017,15 +5038,12 @@
                 <a:latin typeface="Times New Roman" panose="02020603050405020304" pitchFamily="18" charset="0"/>
                 <a:cs typeface="Times New Roman" panose="02020603050405020304" pitchFamily="18" charset="0"/>
               </a:rPr>
-              <a:t>Handover</a:t>
-            </a:r>
-            <a:r>
-              <a:rPr lang="zh-TW" altLang="en-US" dirty="0">
-                <a:latin typeface="Times New Roman" panose="02020603050405020304" pitchFamily="18" charset="0"/>
-                <a:cs typeface="Times New Roman" panose="02020603050405020304" pitchFamily="18" charset="0"/>
-              </a:rPr>
-              <a:t>（采潔）</a:t>
-            </a:r>
+              <a:t>Metrics</a:t>
+            </a:r>
+            <a:endParaRPr lang="zh-TW" altLang="en-US" dirty="0">
+              <a:latin typeface="Times New Roman" panose="02020603050405020304" pitchFamily="18" charset="0"/>
+              <a:cs typeface="Times New Roman" panose="02020603050405020304" pitchFamily="18" charset="0"/>
+            </a:endParaRPr>
           </a:p>
         </p:txBody>
       </p:sp>
@@ -5086,14 +5104,28 @@
                 <a:latin typeface="Times New Roman" panose="02020603050405020304" pitchFamily="18" charset="0"/>
                 <a:cs typeface="Times New Roman" panose="02020603050405020304" pitchFamily="18" charset="0"/>
               </a:rPr>
-              <a:t>Handover</a:t>
+              <a:t>DET Curve</a:t>
             </a:r>
             <a:r>
               <a:rPr lang="zh-TW" altLang="en-US" dirty="0">
                 <a:latin typeface="Times New Roman" panose="02020603050405020304" pitchFamily="18" charset="0"/>
                 <a:cs typeface="Times New Roman" panose="02020603050405020304" pitchFamily="18" charset="0"/>
               </a:rPr>
-              <a:t>（采潔）</a:t>
+              <a:t>（</a:t>
+            </a:r>
+            <a:r>
+              <a:rPr lang="en-US" altLang="zh-TW" dirty="0">
+                <a:latin typeface="Times New Roman" panose="02020603050405020304" pitchFamily="18" charset="0"/>
+                <a:cs typeface="Times New Roman" panose="02020603050405020304" pitchFamily="18" charset="0"/>
+              </a:rPr>
+              <a:t>No pretrained weight</a:t>
+            </a:r>
+            <a:r>
+              <a:rPr lang="zh-TW" altLang="en-US" dirty="0">
+                <a:latin typeface="Times New Roman" panose="02020603050405020304" pitchFamily="18" charset="0"/>
+                <a:cs typeface="Times New Roman" panose="02020603050405020304" pitchFamily="18" charset="0"/>
+              </a:rPr>
+              <a:t>）</a:t>
             </a:r>
           </a:p>
         </p:txBody>
@@ -5233,14 +5265,28 @@
                 <a:latin typeface="Times New Roman" panose="02020603050405020304" pitchFamily="18" charset="0"/>
                 <a:cs typeface="Times New Roman" panose="02020603050405020304" pitchFamily="18" charset="0"/>
               </a:rPr>
-              <a:t>Handover</a:t>
+              <a:t>DET Curve</a:t>
             </a:r>
             <a:r>
               <a:rPr lang="zh-TW" altLang="en-US" dirty="0">
                 <a:latin typeface="Times New Roman" panose="02020603050405020304" pitchFamily="18" charset="0"/>
                 <a:cs typeface="Times New Roman" panose="02020603050405020304" pitchFamily="18" charset="0"/>
               </a:rPr>
-              <a:t>（采潔）</a:t>
+              <a:t>（</a:t>
+            </a:r>
+            <a:r>
+              <a:rPr lang="en-US" altLang="zh-TW" dirty="0">
+                <a:latin typeface="Times New Roman" panose="02020603050405020304" pitchFamily="18" charset="0"/>
+                <a:cs typeface="Times New Roman" panose="02020603050405020304" pitchFamily="18" charset="0"/>
+              </a:rPr>
+              <a:t>With pretrained weight</a:t>
+            </a:r>
+            <a:r>
+              <a:rPr lang="zh-TW" altLang="en-US" dirty="0">
+                <a:latin typeface="Times New Roman" panose="02020603050405020304" pitchFamily="18" charset="0"/>
+                <a:cs typeface="Times New Roman" panose="02020603050405020304" pitchFamily="18" charset="0"/>
+              </a:rPr>
+              <a:t>）</a:t>
             </a:r>
           </a:p>
         </p:txBody>
@@ -6180,15 +6226,12 @@
                 <a:latin typeface="Times New Roman" panose="02020603050405020304" pitchFamily="18" charset="0"/>
                 <a:cs typeface="Times New Roman" panose="02020603050405020304" pitchFamily="18" charset="0"/>
               </a:rPr>
-              <a:t>Handover</a:t>
-            </a:r>
-            <a:r>
-              <a:rPr lang="zh-TW" altLang="en-US" dirty="0">
-                <a:latin typeface="Times New Roman" panose="02020603050405020304" pitchFamily="18" charset="0"/>
-                <a:cs typeface="Times New Roman" panose="02020603050405020304" pitchFamily="18" charset="0"/>
-              </a:rPr>
-              <a:t>（采潔）</a:t>
-            </a:r>
+              <a:t>Comparison</a:t>
+            </a:r>
+            <a:endParaRPr lang="zh-TW" altLang="en-US" dirty="0">
+              <a:latin typeface="Times New Roman" panose="02020603050405020304" pitchFamily="18" charset="0"/>
+              <a:cs typeface="Times New Roman" panose="02020603050405020304" pitchFamily="18" charset="0"/>
+            </a:endParaRPr>
           </a:p>
         </p:txBody>
       </p:sp>
